--- a/Day3/NNintro3.pptx
+++ b/Day3/NNintro3.pptx
@@ -270,7 +270,7 @@
           <a:p>
             <a:fld id="{50339657-67AA-BC46-96DB-01C62F33BC11}" type="datetimeFigureOut">
               <a:rPr lang="en-DK" smtClean="0"/>
-              <a:t>24/04/2023</a:t>
+              <a:t>21/04/2024</a:t>
             </a:fld>
             <a:endParaRPr lang="en-DK"/>
           </a:p>
@@ -470,7 +470,7 @@
           <a:p>
             <a:fld id="{50339657-67AA-BC46-96DB-01C62F33BC11}" type="datetimeFigureOut">
               <a:rPr lang="en-DK" smtClean="0"/>
-              <a:t>24/04/2023</a:t>
+              <a:t>21/04/2024</a:t>
             </a:fld>
             <a:endParaRPr lang="en-DK"/>
           </a:p>
@@ -680,7 +680,7 @@
           <a:p>
             <a:fld id="{50339657-67AA-BC46-96DB-01C62F33BC11}" type="datetimeFigureOut">
               <a:rPr lang="en-DK" smtClean="0"/>
-              <a:t>24/04/2023</a:t>
+              <a:t>21/04/2024</a:t>
             </a:fld>
             <a:endParaRPr lang="en-DK"/>
           </a:p>
@@ -880,7 +880,7 @@
           <a:p>
             <a:fld id="{50339657-67AA-BC46-96DB-01C62F33BC11}" type="datetimeFigureOut">
               <a:rPr lang="en-DK" smtClean="0"/>
-              <a:t>24/04/2023</a:t>
+              <a:t>21/04/2024</a:t>
             </a:fld>
             <a:endParaRPr lang="en-DK"/>
           </a:p>
@@ -1156,7 +1156,7 @@
           <a:p>
             <a:fld id="{50339657-67AA-BC46-96DB-01C62F33BC11}" type="datetimeFigureOut">
               <a:rPr lang="en-DK" smtClean="0"/>
-              <a:t>24/04/2023</a:t>
+              <a:t>21/04/2024</a:t>
             </a:fld>
             <a:endParaRPr lang="en-DK"/>
           </a:p>
@@ -1424,7 +1424,7 @@
           <a:p>
             <a:fld id="{50339657-67AA-BC46-96DB-01C62F33BC11}" type="datetimeFigureOut">
               <a:rPr lang="en-DK" smtClean="0"/>
-              <a:t>24/04/2023</a:t>
+              <a:t>21/04/2024</a:t>
             </a:fld>
             <a:endParaRPr lang="en-DK"/>
           </a:p>
@@ -1839,7 +1839,7 @@
           <a:p>
             <a:fld id="{50339657-67AA-BC46-96DB-01C62F33BC11}" type="datetimeFigureOut">
               <a:rPr lang="en-DK" smtClean="0"/>
-              <a:t>24/04/2023</a:t>
+              <a:t>21/04/2024</a:t>
             </a:fld>
             <a:endParaRPr lang="en-DK"/>
           </a:p>
@@ -1981,7 +1981,7 @@
           <a:p>
             <a:fld id="{50339657-67AA-BC46-96DB-01C62F33BC11}" type="datetimeFigureOut">
               <a:rPr lang="en-DK" smtClean="0"/>
-              <a:t>24/04/2023</a:t>
+              <a:t>21/04/2024</a:t>
             </a:fld>
             <a:endParaRPr lang="en-DK"/>
           </a:p>
@@ -2094,7 +2094,7 @@
           <a:p>
             <a:fld id="{50339657-67AA-BC46-96DB-01C62F33BC11}" type="datetimeFigureOut">
               <a:rPr lang="en-DK" smtClean="0"/>
-              <a:t>24/04/2023</a:t>
+              <a:t>21/04/2024</a:t>
             </a:fld>
             <a:endParaRPr lang="en-DK"/>
           </a:p>
@@ -2407,7 +2407,7 @@
           <a:p>
             <a:fld id="{50339657-67AA-BC46-96DB-01C62F33BC11}" type="datetimeFigureOut">
               <a:rPr lang="en-DK" smtClean="0"/>
-              <a:t>24/04/2023</a:t>
+              <a:t>21/04/2024</a:t>
             </a:fld>
             <a:endParaRPr lang="en-DK"/>
           </a:p>
@@ -2696,7 +2696,7 @@
           <a:p>
             <a:fld id="{50339657-67AA-BC46-96DB-01C62F33BC11}" type="datetimeFigureOut">
               <a:rPr lang="en-DK" smtClean="0"/>
-              <a:t>24/04/2023</a:t>
+              <a:t>21/04/2024</a:t>
             </a:fld>
             <a:endParaRPr lang="en-DK"/>
           </a:p>
@@ -2939,7 +2939,7 @@
           <a:p>
             <a:fld id="{50339657-67AA-BC46-96DB-01C62F33BC11}" type="datetimeFigureOut">
               <a:rPr lang="en-DK" smtClean="0"/>
-              <a:t>24/04/2023</a:t>
+              <a:t>21/04/2024</a:t>
             </a:fld>
             <a:endParaRPr lang="en-DK"/>
           </a:p>
@@ -3402,7 +3402,9 @@
         </p:nvSpPr>
         <p:spPr/>
         <p:txBody>
-          <a:bodyPr/>
+          <a:bodyPr>
+            <a:normAutofit fontScale="92500" lnSpcReduction="10000"/>
+          </a:bodyPr>
           <a:lstStyle/>
           <a:p>
             <a:r>
@@ -3414,6 +3416,12 @@
             <a:r>
               <a:rPr lang="en-DK" dirty="0"/>
               <a:t>Center for Health Data Science</a:t>
+            </a:r>
+          </a:p>
+          <a:p>
+            <a:r>
+              <a:rPr lang="en-DK" dirty="0"/>
+              <a:t>and Department of Computer Science</a:t>
             </a:r>
           </a:p>
           <a:p>
@@ -18026,4 +18034,10 @@
     </a:ext>
   </a:extLst>
 </a:theme>
+</file>
+
+<file path=docMetadata/LabelInfo.xml><?xml version="1.0" encoding="utf-8"?>
+<clbl:labelList xmlns:clbl="http://schemas.microsoft.com/office/2020/mipLabelMetadata">
+  <clbl:label id="{6a2630e2-1ac5-455e-8217-0156b1936a76}" enabled="1" method="Standard" siteId="{a3927f91-cda1-4696-af89-8c9f1ceffa91}" contentBits="0" removed="0"/>
+</clbl:labelList>
 </file>